--- a/Presentation.pptx
+++ b/Presentation.pptx
@@ -26,6 +26,7 @@
     <p:sldId id="274" r:id="rId20"/>
     <p:sldId id="275" r:id="rId21"/>
     <p:sldId id="276" r:id="rId22"/>
+    <p:sldId id="277" r:id="rId23"/>
   </p:sldIdLst>
   <p:sldSz cx="12192000" cy="6858000"/>
   <p:notesSz cx="6858000" cy="9144000"/>
@@ -136,7 +137,9 @@
 <p1510:revInfo xmlns:a="http://schemas.openxmlformats.org/drawingml/2006/main" xmlns:r="http://schemas.openxmlformats.org/officeDocument/2006/relationships" xmlns:p1510="http://schemas.microsoft.com/office/powerpoint/2015/10/main">
   <p1510:revLst>
     <p1510:client id="{205AB17C-9F74-4D49-986A-1FCDCFDCDD66}" v="125" dt="2022-10-08T19:59:56.632"/>
+    <p1510:client id="{2D80382E-8B52-4068-91FC-DF9B78517F90}" v="79" dt="2022-11-11T11:09:15.265"/>
     <p1510:client id="{78F526C0-6B66-4D98-92AE-4D27A04D55AB}" v="643" dt="2022-10-18T18:21:23.855"/>
+    <p1510:client id="{A91A9291-2A5D-4518-838D-A20CC92929B5}" v="5" dt="2022-11-11T11:24:23.429"/>
     <p1510:client id="{D39B8D3E-8073-401F-99A4-FEF6C4AEE8B5}" v="563" dt="2022-10-19T21:52:28.272"/>
     <p1510:client id="{E77E1A1F-AA99-46EC-9D94-638D9DDADECB}" v="353" dt="2022-10-08T21:08:47.863"/>
   </p1510:revLst>
@@ -299,7 +302,7 @@
             <a:fld id="{11A6662E-FAF4-44BC-88B5-85A7CBFB6D30}" type="datetime1">
               <a:rPr lang="en-US" smtClean="0"/>
               <a:pPr/>
-              <a:t>10/19/2022</a:t>
+              <a:t>11/11/2022</a:t>
             </a:fld>
             <a:endParaRPr lang="en-US"/>
           </a:p>
@@ -510,7 +513,7 @@
           <a:p>
             <a:fld id="{4C559632-1575-4E14-B53B-3DC3D5ED3947}" type="datetime1">
               <a:rPr lang="en-US" smtClean="0"/>
-              <a:t>10/19/2022</a:t>
+              <a:t>11/11/2022</a:t>
             </a:fld>
             <a:endParaRPr lang="en-US"/>
           </a:p>
@@ -718,7 +721,7 @@
           <a:p>
             <a:fld id="{CC4A6868-2568-4CC9-B302-F37117B01A6E}" type="datetime1">
               <a:rPr lang="en-US" smtClean="0"/>
-              <a:t>10/19/2022</a:t>
+              <a:t>11/11/2022</a:t>
             </a:fld>
             <a:endParaRPr lang="en-US"/>
           </a:p>
@@ -921,7 +924,7 @@
           <a:p>
             <a:fld id="{0055F08A-1E71-4B2B-BB49-E743F2903911}" type="datetime1">
               <a:rPr lang="en-US" smtClean="0"/>
-              <a:t>10/19/2022</a:t>
+              <a:t>11/11/2022</a:t>
             </a:fld>
             <a:endParaRPr lang="en-US"/>
           </a:p>
@@ -1194,7 +1197,7 @@
           <a:p>
             <a:fld id="{15417D9E-721A-44BB-8863-9873FE64DA75}" type="datetime1">
               <a:rPr lang="en-US" smtClean="0"/>
-              <a:t>10/19/2022</a:t>
+              <a:t>11/11/2022</a:t>
             </a:fld>
             <a:endParaRPr lang="en-US"/>
           </a:p>
@@ -1464,7 +1467,7 @@
           <a:p>
             <a:fld id="{5F31DA2F-80B8-49CF-99FB-5ABCA53A607A}" type="datetime1">
               <a:rPr lang="en-US" smtClean="0"/>
-              <a:t>10/19/2022</a:t>
+              <a:t>11/11/2022</a:t>
             </a:fld>
             <a:endParaRPr lang="en-US"/>
           </a:p>
@@ -1876,7 +1879,7 @@
           <a:p>
             <a:fld id="{28852172-E6C9-4B6C-929A-A9DE3837BBF1}" type="datetime1">
               <a:rPr lang="en-US" smtClean="0"/>
-              <a:t>10/19/2022</a:t>
+              <a:t>11/11/2022</a:t>
             </a:fld>
             <a:endParaRPr lang="en-US"/>
           </a:p>
@@ -2022,7 +2025,7 @@
           <a:p>
             <a:fld id="{3AB41CFF-90C9-47B3-9DA1-F2BF8D839F7E}" type="datetime1">
               <a:rPr lang="en-US" smtClean="0"/>
-              <a:t>10/19/2022</a:t>
+              <a:t>11/11/2022</a:t>
             </a:fld>
             <a:endParaRPr lang="en-US"/>
           </a:p>
@@ -2135,7 +2138,7 @@
           <a:p>
             <a:fld id="{F06048FA-06AB-4884-A69B-986B96E68A24}" type="datetime1">
               <a:rPr lang="en-US" smtClean="0"/>
-              <a:t>10/19/2022</a:t>
+              <a:t>11/11/2022</a:t>
             </a:fld>
             <a:endParaRPr lang="en-US"/>
           </a:p>
@@ -2446,7 +2449,7 @@
           <a:p>
             <a:fld id="{50DB7ABA-0172-4F9C-889D-567164F66BCD}" type="datetime1">
               <a:rPr lang="en-US" smtClean="0"/>
-              <a:t>10/19/2022</a:t>
+              <a:t>11/11/2022</a:t>
             </a:fld>
             <a:endParaRPr lang="en-US"/>
           </a:p>
@@ -2737,7 +2740,7 @@
           <a:p>
             <a:fld id="{78AC6A5B-8AE7-4A41-B5A7-9ADC6686DC18}" type="datetime1">
               <a:rPr lang="en-US" smtClean="0"/>
-              <a:t>10/19/2022</a:t>
+              <a:t>11/11/2022</a:t>
             </a:fld>
             <a:endParaRPr lang="en-US"/>
           </a:p>
@@ -3083,7 +3086,7 @@
             <a:fld id="{57E0CF6C-748E-4B7A-BC8B-3011EF78ED13}" type="datetime1">
               <a:rPr lang="en-US" smtClean="0"/>
               <a:pPr/>
-              <a:t>10/19/2022</a:t>
+              <a:t>11/11/2022</a:t>
             </a:fld>
             <a:endParaRPr lang="en-US"/>
           </a:p>
@@ -6092,36 +6095,6 @@
           </a:prstGeom>
         </p:spPr>
       </p:pic>
-      <p:pic>
-        <p:nvPicPr>
-          <p:cNvPr id="5" name="Рисунок 5">
-            <a:extLst>
-              <a:ext uri="{FF2B5EF4-FFF2-40B4-BE49-F238E27FC236}">
-                <a16:creationId xmlns:a16="http://schemas.microsoft.com/office/drawing/2014/main" id="{94F62E55-97AD-6373-B35A-08897FA71225}"/>
-              </a:ext>
-            </a:extLst>
-          </p:cNvPr>
-          <p:cNvPicPr>
-            <a:picLocks noChangeAspect="1"/>
-          </p:cNvPicPr>
-          <p:nvPr/>
-        </p:nvPicPr>
-        <p:blipFill>
-          <a:blip r:embed="rId3"/>
-          <a:stretch>
-            <a:fillRect/>
-          </a:stretch>
-        </p:blipFill>
-        <p:spPr>
-          <a:xfrm>
-            <a:off x="5083629" y="739391"/>
-            <a:ext cx="6455228" cy="5466303"/>
-          </a:xfrm>
-          <a:prstGeom prst="rect">
-            <a:avLst/>
-          </a:prstGeom>
-        </p:spPr>
-      </p:pic>
       <p:sp>
         <p:nvSpPr>
           <p:cNvPr id="7" name="Заголовок 1">
@@ -6194,6 +6167,36 @@
           </a:p>
         </p:txBody>
       </p:sp>
+      <p:pic>
+        <p:nvPicPr>
+          <p:cNvPr id="3" name="Рисунок 5">
+            <a:extLst>
+              <a:ext uri="{FF2B5EF4-FFF2-40B4-BE49-F238E27FC236}">
+                <a16:creationId xmlns:a16="http://schemas.microsoft.com/office/drawing/2014/main" id="{A145C4F9-69B7-E599-4D15-C11935C43E03}"/>
+              </a:ext>
+            </a:extLst>
+          </p:cNvPr>
+          <p:cNvPicPr>
+            <a:picLocks noChangeAspect="1"/>
+          </p:cNvPicPr>
+          <p:nvPr/>
+        </p:nvPicPr>
+        <p:blipFill>
+          <a:blip r:embed="rId3"/>
+          <a:stretch>
+            <a:fillRect/>
+          </a:stretch>
+        </p:blipFill>
+        <p:spPr>
+          <a:xfrm>
+            <a:off x="5110766" y="700390"/>
+            <a:ext cx="6810777" cy="5296235"/>
+          </a:xfrm>
+          <a:prstGeom prst="rect">
+            <a:avLst/>
+          </a:prstGeom>
+        </p:spPr>
+      </p:pic>
     </p:spTree>
     <p:extLst>
       <p:ext uri="{BB962C8B-B14F-4D97-AF65-F5344CB8AC3E}">
@@ -10422,7 +10425,7 @@
         </p:blipFill>
         <p:spPr>
           <a:xfrm>
-            <a:off x="9014564" y="449449"/>
+            <a:off x="6084620" y="3873083"/>
             <a:ext cx="2743200" cy="1199213"/>
           </a:xfrm>
           <a:prstGeom prst="rect">
@@ -10482,7 +10485,7 @@
         </p:blipFill>
         <p:spPr>
           <a:xfrm>
-            <a:off x="9014564" y="1845100"/>
+            <a:off x="8993099" y="449889"/>
             <a:ext cx="2743200" cy="1414156"/>
           </a:xfrm>
           <a:prstGeom prst="rect">
@@ -10542,7 +10545,7 @@
         </p:blipFill>
         <p:spPr>
           <a:xfrm>
-            <a:off x="9014564" y="3391626"/>
+            <a:off x="8993099" y="1985682"/>
             <a:ext cx="2743200" cy="1891022"/>
           </a:xfrm>
           <a:prstGeom prst="rect">
@@ -10554,6 +10557,199 @@
     <p:extLst>
       <p:ext uri="{BB962C8B-B14F-4D97-AF65-F5344CB8AC3E}">
         <p14:creationId xmlns:p14="http://schemas.microsoft.com/office/powerpoint/2010/main" val="2792192565"/>
+      </p:ext>
+    </p:extLst>
+  </p:cSld>
+  <p:clrMapOvr>
+    <a:masterClrMapping/>
+  </p:clrMapOvr>
+</p:sld>
+</file>
+
+<file path=ppt/slides/slide22.xml><?xml version="1.0" encoding="utf-8"?>
+<p:sld xmlns:a="http://schemas.openxmlformats.org/drawingml/2006/main" xmlns:r="http://schemas.openxmlformats.org/officeDocument/2006/relationships" xmlns:p="http://schemas.openxmlformats.org/presentationml/2006/main">
+  <p:cSld>
+    <p:spTree>
+      <p:nvGrpSpPr>
+        <p:cNvPr id="1" name=""/>
+        <p:cNvGrpSpPr/>
+        <p:nvPr/>
+      </p:nvGrpSpPr>
+      <p:grpSpPr>
+        <a:xfrm>
+          <a:off x="0" y="0"/>
+          <a:ext cx="0" cy="0"/>
+          <a:chOff x="0" y="0"/>
+          <a:chExt cx="0" cy="0"/>
+        </a:xfrm>
+      </p:grpSpPr>
+      <p:sp>
+        <p:nvSpPr>
+          <p:cNvPr id="2" name="Заголовок 1">
+            <a:extLst>
+              <a:ext uri="{FF2B5EF4-FFF2-40B4-BE49-F238E27FC236}">
+                <a16:creationId xmlns:a16="http://schemas.microsoft.com/office/drawing/2014/main" id="{33058BF6-49E6-6653-0104-4DE5AC12B86C}"/>
+              </a:ext>
+            </a:extLst>
+          </p:cNvPr>
+          <p:cNvSpPr>
+            <a:spLocks noGrp="1"/>
+          </p:cNvSpPr>
+          <p:nvPr>
+            <p:ph type="title"/>
+          </p:nvPr>
+        </p:nvSpPr>
+        <p:spPr>
+          <a:xfrm>
+            <a:off x="838200" y="5624633"/>
+            <a:ext cx="10515600" cy="595761"/>
+          </a:xfrm>
+        </p:spPr>
+        <p:txBody>
+          <a:bodyPr>
+            <a:normAutofit/>
+          </a:bodyPr>
+          <a:lstStyle/>
+          <a:p>
+            <a:pPr algn="ctr"/>
+            <a:r>
+              <a:rPr lang="uk-UA" sz="1800" dirty="0" err="1">
+                <a:latin typeface="Times New Roman"/>
+                <a:cs typeface="Times New Roman"/>
+              </a:rPr>
+              <a:t>Мал</a:t>
+            </a:r>
+            <a:r>
+              <a:rPr lang="uk-UA" sz="1800" dirty="0">
+                <a:latin typeface="Times New Roman"/>
+                <a:cs typeface="Times New Roman"/>
+              </a:rPr>
+              <a:t>. 3.9 </a:t>
+            </a:r>
+            <a:r>
+              <a:rPr lang="uk-UA" sz="1800" dirty="0" err="1">
+                <a:latin typeface="Times New Roman"/>
+                <a:cs typeface="Times New Roman"/>
+              </a:rPr>
+              <a:t>Forms</a:t>
+            </a:r>
+            <a:r>
+              <a:rPr lang="uk-UA" sz="1800" dirty="0">
+                <a:latin typeface="Times New Roman"/>
+                <a:cs typeface="Times New Roman"/>
+              </a:rPr>
+              <a:t> '</a:t>
+            </a:r>
+            <a:r>
+              <a:rPr lang="uk-UA" sz="1800" dirty="0" err="1">
+                <a:latin typeface="Times New Roman"/>
+                <a:cs typeface="Times New Roman"/>
+              </a:rPr>
+              <a:t>Login</a:t>
+            </a:r>
+            <a:r>
+              <a:rPr lang="uk-UA" sz="1800" dirty="0">
+                <a:latin typeface="Times New Roman"/>
+                <a:cs typeface="Times New Roman"/>
+              </a:rPr>
+              <a:t>' </a:t>
+            </a:r>
+            <a:r>
+              <a:rPr lang="uk-UA" sz="1800" dirty="0" err="1">
+                <a:latin typeface="Times New Roman"/>
+                <a:cs typeface="Times New Roman"/>
+              </a:rPr>
+              <a:t>and</a:t>
+            </a:r>
+            <a:r>
+              <a:rPr lang="uk-UA" sz="1800" dirty="0">
+                <a:latin typeface="Times New Roman"/>
+                <a:cs typeface="Times New Roman"/>
+              </a:rPr>
+              <a:t> '</a:t>
+            </a:r>
+            <a:r>
+              <a:rPr lang="uk-UA" sz="1800" dirty="0" err="1">
+                <a:latin typeface="Times New Roman"/>
+                <a:cs typeface="Times New Roman"/>
+              </a:rPr>
+              <a:t>Ragistration</a:t>
+            </a:r>
+            <a:r>
+              <a:rPr lang="uk-UA" sz="1800" dirty="0">
+                <a:latin typeface="Times New Roman"/>
+                <a:cs typeface="Times New Roman"/>
+              </a:rPr>
+              <a:t>'</a:t>
+            </a:r>
+            <a:endParaRPr lang="uk-UA"/>
+          </a:p>
+        </p:txBody>
+      </p:sp>
+      <p:pic>
+        <p:nvPicPr>
+          <p:cNvPr id="4" name="Рисунок 4">
+            <a:extLst>
+              <a:ext uri="{FF2B5EF4-FFF2-40B4-BE49-F238E27FC236}">
+                <a16:creationId xmlns:a16="http://schemas.microsoft.com/office/drawing/2014/main" id="{22A49B3A-D33B-6DEE-EB31-EE585AFC9F8A}"/>
+              </a:ext>
+            </a:extLst>
+          </p:cNvPr>
+          <p:cNvPicPr>
+            <a:picLocks noChangeAspect="1"/>
+          </p:cNvPicPr>
+          <p:nvPr/>
+        </p:nvPicPr>
+        <p:blipFill>
+          <a:blip r:embed="rId2"/>
+          <a:stretch>
+            <a:fillRect/>
+          </a:stretch>
+        </p:blipFill>
+        <p:spPr>
+          <a:xfrm>
+            <a:off x="796344" y="830161"/>
+            <a:ext cx="5200917" cy="2686297"/>
+          </a:xfrm>
+          <a:prstGeom prst="rect">
+            <a:avLst/>
+          </a:prstGeom>
+        </p:spPr>
+      </p:pic>
+      <p:pic>
+        <p:nvPicPr>
+          <p:cNvPr id="5" name="Рисунок 5" descr="Зображення, що містить текст&#10;&#10;Опис створено автоматично">
+            <a:extLst>
+              <a:ext uri="{FF2B5EF4-FFF2-40B4-BE49-F238E27FC236}">
+                <a16:creationId xmlns:a16="http://schemas.microsoft.com/office/drawing/2014/main" id="{CCB2B4A8-4C8D-940F-D2E8-147A6C9BF33C}"/>
+              </a:ext>
+            </a:extLst>
+          </p:cNvPr>
+          <p:cNvPicPr>
+            <a:picLocks noChangeAspect="1"/>
+          </p:cNvPicPr>
+          <p:nvPr/>
+        </p:nvPicPr>
+        <p:blipFill>
+          <a:blip r:embed="rId3"/>
+          <a:stretch>
+            <a:fillRect/>
+          </a:stretch>
+        </p:blipFill>
+        <p:spPr>
+          <a:xfrm>
+            <a:off x="6269865" y="832138"/>
+            <a:ext cx="5082862" cy="3229697"/>
+          </a:xfrm>
+          <a:prstGeom prst="rect">
+            <a:avLst/>
+          </a:prstGeom>
+        </p:spPr>
+      </p:pic>
+    </p:spTree>
+    <p:extLst>
+      <p:ext uri="{BB962C8B-B14F-4D97-AF65-F5344CB8AC3E}">
+        <p14:creationId xmlns:p14="http://schemas.microsoft.com/office/powerpoint/2010/main" val="90057395"/>
       </p:ext>
     </p:extLst>
   </p:cSld>
@@ -12222,36 +12418,6 @@
           <a:chExt cx="0" cy="0"/>
         </a:xfrm>
       </p:grpSpPr>
-      <p:pic>
-        <p:nvPicPr>
-          <p:cNvPr id="2" name="Рисунок 2">
-            <a:extLst>
-              <a:ext uri="{FF2B5EF4-FFF2-40B4-BE49-F238E27FC236}">
-                <a16:creationId xmlns:a16="http://schemas.microsoft.com/office/drawing/2014/main" id="{3DA628A9-DA6F-B76D-57B6-87A199F835D3}"/>
-              </a:ext>
-            </a:extLst>
-          </p:cNvPr>
-          <p:cNvPicPr>
-            <a:picLocks noChangeAspect="1"/>
-          </p:cNvPicPr>
-          <p:nvPr/>
-        </p:nvPicPr>
-        <p:blipFill>
-          <a:blip r:embed="rId2"/>
-          <a:stretch>
-            <a:fillRect/>
-          </a:stretch>
-        </p:blipFill>
-        <p:spPr>
-          <a:xfrm>
-            <a:off x="1003126" y="545146"/>
-            <a:ext cx="9818914" cy="5272631"/>
-          </a:xfrm>
-          <a:prstGeom prst="rect">
-            <a:avLst/>
-          </a:prstGeom>
-        </p:spPr>
-      </p:pic>
       <p:sp>
         <p:nvSpPr>
           <p:cNvPr id="4" name="Місце для тексту 3">
@@ -12282,7 +12448,7 @@
           <a:p>
             <a:pPr algn="ctr"/>
             <a:r>
-              <a:rPr lang="uk-UA" err="1">
+              <a:rPr lang="uk-UA" dirty="0" err="1">
                 <a:latin typeface="Times New Roman"/>
                 <a:ea typeface="+mn-lt"/>
                 <a:cs typeface="+mn-lt"/>
@@ -12290,20 +12456,90 @@
               <a:t>Мал</a:t>
             </a:r>
             <a:r>
-              <a:rPr lang="uk-UA">
-                <a:latin typeface="Times New Roman"/>
-                <a:ea typeface="+mn-lt"/>
-                <a:cs typeface="+mn-lt"/>
-              </a:rPr>
-              <a:t>. 3.1</a:t>
-            </a:r>
-            <a:endParaRPr lang="uk-UA">
+              <a:rPr lang="uk-UA" dirty="0">
+                <a:latin typeface="Times New Roman"/>
+                <a:ea typeface="+mn-lt"/>
+                <a:cs typeface="+mn-lt"/>
+              </a:rPr>
+              <a:t>. 3.1 </a:t>
+            </a:r>
+            <a:r>
+              <a:rPr lang="uk-UA" dirty="0" err="1">
+                <a:latin typeface="Times New Roman"/>
+                <a:ea typeface="+mn-lt"/>
+                <a:cs typeface="+mn-lt"/>
+              </a:rPr>
+              <a:t>Astah</a:t>
+            </a:r>
+            <a:r>
+              <a:rPr lang="uk-UA" dirty="0">
+                <a:latin typeface="Times New Roman"/>
+                <a:ea typeface="+mn-lt"/>
+                <a:cs typeface="+mn-lt"/>
+              </a:rPr>
+              <a:t> </a:t>
+            </a:r>
+            <a:r>
+              <a:rPr lang="uk-UA" dirty="0" err="1">
+                <a:latin typeface="Times New Roman"/>
+                <a:ea typeface="+mn-lt"/>
+                <a:cs typeface="+mn-lt"/>
+              </a:rPr>
+              <a:t>UseCase</a:t>
+            </a:r>
+            <a:r>
+              <a:rPr lang="uk-UA" dirty="0">
+                <a:latin typeface="Times New Roman"/>
+                <a:ea typeface="+mn-lt"/>
+                <a:cs typeface="+mn-lt"/>
+              </a:rPr>
+              <a:t> </a:t>
+            </a:r>
+            <a:r>
+              <a:rPr lang="uk-UA" dirty="0" err="1">
+                <a:latin typeface="Times New Roman"/>
+                <a:ea typeface="+mn-lt"/>
+                <a:cs typeface="+mn-lt"/>
+              </a:rPr>
+              <a:t>Diagramm</a:t>
+            </a:r>
+            <a:endParaRPr lang="uk-UA" dirty="0" err="1">
               <a:latin typeface="Times New Roman"/>
               <a:cs typeface="Times New Roman"/>
             </a:endParaRPr>
           </a:p>
         </p:txBody>
       </p:sp>
+      <p:pic>
+        <p:nvPicPr>
+          <p:cNvPr id="2" name="Рисунок 4">
+            <a:extLst>
+              <a:ext uri="{FF2B5EF4-FFF2-40B4-BE49-F238E27FC236}">
+                <a16:creationId xmlns:a16="http://schemas.microsoft.com/office/drawing/2014/main" id="{7BC777B8-A02D-D8F7-3164-183665D783FF}"/>
+              </a:ext>
+            </a:extLst>
+          </p:cNvPr>
+          <p:cNvPicPr>
+            <a:picLocks noChangeAspect="1"/>
+          </p:cNvPicPr>
+          <p:nvPr/>
+        </p:nvPicPr>
+        <p:blipFill>
+          <a:blip r:embed="rId2"/>
+          <a:stretch>
+            <a:fillRect/>
+          </a:stretch>
+        </p:blipFill>
+        <p:spPr>
+          <a:xfrm>
+            <a:off x="2569872" y="232558"/>
+            <a:ext cx="6690038" cy="5563210"/>
+          </a:xfrm>
+          <a:prstGeom prst="rect">
+            <a:avLst/>
+          </a:prstGeom>
+        </p:spPr>
+      </p:pic>
     </p:spTree>
     <p:extLst>
       <p:ext uri="{BB962C8B-B14F-4D97-AF65-F5344CB8AC3E}">
